--- a/4-namespace/C++.pptx
+++ b/4-namespace/C++.pptx
@@ -5,7 +5,7 @@
     <p:sldMasterId id="2147483660" r:id="rId1"/>
   </p:sldMasterIdLst>
   <p:notesMasterIdLst>
-    <p:notesMasterId r:id="rId12"/>
+    <p:notesMasterId r:id="rId11"/>
   </p:notesMasterIdLst>
   <p:sldIdLst>
     <p:sldId id="256" r:id="rId2"/>
@@ -14,10 +14,9 @@
     <p:sldId id="259" r:id="rId5"/>
     <p:sldId id="261" r:id="rId6"/>
     <p:sldId id="262" r:id="rId7"/>
-    <p:sldId id="263" r:id="rId8"/>
-    <p:sldId id="264" r:id="rId9"/>
-    <p:sldId id="265" r:id="rId10"/>
-    <p:sldId id="260" r:id="rId11"/>
+    <p:sldId id="264" r:id="rId8"/>
+    <p:sldId id="265" r:id="rId9"/>
+    <p:sldId id="260" r:id="rId10"/>
   </p:sldIdLst>
   <p:sldSz cx="12192000" cy="6858000"/>
   <p:notesSz cx="6858000" cy="9144000"/>
@@ -6448,95 +6447,6 @@
 </p:sld>
 </file>
 
-<file path=ppt/slides/slide10.xml><?xml version="1.0" encoding="utf-8"?>
-<p:sld xmlns:a="http://schemas.openxmlformats.org/drawingml/2006/main" xmlns:r="http://schemas.openxmlformats.org/officeDocument/2006/relationships" xmlns:p="http://schemas.openxmlformats.org/presentationml/2006/main">
-  <p:cSld>
-    <p:spTree>
-      <p:nvGrpSpPr>
-        <p:cNvPr id="1" name=""/>
-        <p:cNvGrpSpPr/>
-        <p:nvPr/>
-      </p:nvGrpSpPr>
-      <p:grpSpPr>
-        <a:xfrm>
-          <a:off x="0" y="0"/>
-          <a:ext cx="0" cy="0"/>
-          <a:chOff x="0" y="0"/>
-          <a:chExt cx="0" cy="0"/>
-        </a:xfrm>
-      </p:grpSpPr>
-      <p:sp>
-        <p:nvSpPr>
-          <p:cNvPr id="2" name="Título 1">
-            <a:extLst>
-              <a:ext uri="{FF2B5EF4-FFF2-40B4-BE49-F238E27FC236}">
-                <a16:creationId xmlns:a16="http://schemas.microsoft.com/office/drawing/2014/main" id="{DA64F439-9073-49C5-9016-ECE0F1D84879}"/>
-              </a:ext>
-            </a:extLst>
-          </p:cNvPr>
-          <p:cNvSpPr>
-            <a:spLocks noGrp="1"/>
-          </p:cNvSpPr>
-          <p:nvPr>
-            <p:ph type="title"/>
-          </p:nvPr>
-        </p:nvSpPr>
-        <p:spPr/>
-        <p:txBody>
-          <a:bodyPr/>
-          <a:lstStyle/>
-          <a:p>
-            <a:r>
-              <a:rPr lang="pt-BR" dirty="0"/>
-              <a:t>Referências</a:t>
-            </a:r>
-          </a:p>
-        </p:txBody>
-      </p:sp>
-      <p:sp>
-        <p:nvSpPr>
-          <p:cNvPr id="3" name="Espaço Reservado para Conteúdo 2">
-            <a:extLst>
-              <a:ext uri="{FF2B5EF4-FFF2-40B4-BE49-F238E27FC236}">
-                <a16:creationId xmlns:a16="http://schemas.microsoft.com/office/drawing/2014/main" id="{FE6037DE-C3DF-4B6C-9FDF-152147EAC7E5}"/>
-              </a:ext>
-            </a:extLst>
-          </p:cNvPr>
-          <p:cNvSpPr>
-            <a:spLocks noGrp="1"/>
-          </p:cNvSpPr>
-          <p:nvPr>
-            <p:ph idx="1"/>
-          </p:nvPr>
-        </p:nvSpPr>
-        <p:spPr/>
-        <p:txBody>
-          <a:bodyPr/>
-          <a:lstStyle/>
-          <a:p>
-            <a:r>
-              <a:rPr lang="pt-BR" dirty="0">
-                <a:hlinkClick r:id="rId2"/>
-              </a:rPr>
-              <a:t>https://www.geeksforgeeks.org/namespace-in-c/</a:t>
-            </a:r>
-            <a:endParaRPr lang="pt-BR" dirty="0"/>
-          </a:p>
-        </p:txBody>
-      </p:sp>
-    </p:spTree>
-    <p:extLst>
-      <p:ext uri="{BB962C8B-B14F-4D97-AF65-F5344CB8AC3E}">
-        <p14:creationId xmlns:p14="http://schemas.microsoft.com/office/powerpoint/2010/main" val="2919723707"/>
-      </p:ext>
-    </p:extLst>
-  </p:cSld>
-  <p:clrMapOvr>
-    <a:masterClrMapping/>
-  </p:clrMapOvr>
-</p:sld>
-</file>
-
 <file path=ppt/slides/slide2.xml><?xml version="1.0" encoding="utf-8"?>
 <p:sld xmlns:a="http://schemas.openxmlformats.org/drawingml/2006/main" xmlns:r="http://schemas.openxmlformats.org/officeDocument/2006/relationships" xmlns:p="http://schemas.openxmlformats.org/presentationml/2006/main">
   <p:cSld>
@@ -7112,94 +7022,6 @@
           <p:cNvPr id="2" name="Título 1">
             <a:extLst>
               <a:ext uri="{FF2B5EF4-FFF2-40B4-BE49-F238E27FC236}">
-                <a16:creationId xmlns:a16="http://schemas.microsoft.com/office/drawing/2014/main" id="{C81F4980-F506-4C52-BB2F-51F6E3211EFC}"/>
-              </a:ext>
-            </a:extLst>
-          </p:cNvPr>
-          <p:cNvSpPr>
-            <a:spLocks noGrp="1"/>
-          </p:cNvSpPr>
-          <p:nvPr>
-            <p:ph type="title"/>
-          </p:nvPr>
-        </p:nvSpPr>
-        <p:spPr/>
-        <p:txBody>
-          <a:bodyPr/>
-          <a:lstStyle/>
-          <a:p>
-            <a:r>
-              <a:rPr lang="pt-BR" dirty="0"/>
-              <a:t>Classes podem ser declaradas forma do namespace</a:t>
-            </a:r>
-          </a:p>
-        </p:txBody>
-      </p:sp>
-      <p:pic>
-        <p:nvPicPr>
-          <p:cNvPr id="4" name="Imagem 3">
-            <a:extLst>
-              <a:ext uri="{FF2B5EF4-FFF2-40B4-BE49-F238E27FC236}">
-                <a16:creationId xmlns:a16="http://schemas.microsoft.com/office/drawing/2014/main" id="{61787627-8EF8-4C65-B91C-5D1E061FB497}"/>
-              </a:ext>
-            </a:extLst>
-          </p:cNvPr>
-          <p:cNvPicPr>
-            <a:picLocks noChangeAspect="1"/>
-          </p:cNvPicPr>
-          <p:nvPr/>
-        </p:nvPicPr>
-        <p:blipFill>
-          <a:blip r:embed="rId2"/>
-          <a:stretch>
-            <a:fillRect/>
-          </a:stretch>
-        </p:blipFill>
-        <p:spPr>
-          <a:xfrm>
-            <a:off x="942682" y="1690688"/>
-            <a:ext cx="4776296" cy="4840170"/>
-          </a:xfrm>
-          <a:prstGeom prst="rect">
-            <a:avLst/>
-          </a:prstGeom>
-        </p:spPr>
-      </p:pic>
-    </p:spTree>
-    <p:extLst>
-      <p:ext uri="{BB962C8B-B14F-4D97-AF65-F5344CB8AC3E}">
-        <p14:creationId xmlns:p14="http://schemas.microsoft.com/office/powerpoint/2010/main" val="3235592074"/>
-      </p:ext>
-    </p:extLst>
-  </p:cSld>
-  <p:clrMapOvr>
-    <a:masterClrMapping/>
-  </p:clrMapOvr>
-</p:sld>
-</file>
-
-<file path=ppt/slides/slide8.xml><?xml version="1.0" encoding="utf-8"?>
-<p:sld xmlns:a="http://schemas.openxmlformats.org/drawingml/2006/main" xmlns:r="http://schemas.openxmlformats.org/officeDocument/2006/relationships" xmlns:p="http://schemas.openxmlformats.org/presentationml/2006/main">
-  <p:cSld>
-    <p:spTree>
-      <p:nvGrpSpPr>
-        <p:cNvPr id="1" name=""/>
-        <p:cNvGrpSpPr/>
-        <p:nvPr/>
-      </p:nvGrpSpPr>
-      <p:grpSpPr>
-        <a:xfrm>
-          <a:off x="0" y="0"/>
-          <a:ext cx="0" cy="0"/>
-          <a:chOff x="0" y="0"/>
-          <a:chExt cx="0" cy="0"/>
-        </a:xfrm>
-      </p:grpSpPr>
-      <p:sp>
-        <p:nvSpPr>
-          <p:cNvPr id="2" name="Título 1">
-            <a:extLst>
-              <a:ext uri="{FF2B5EF4-FFF2-40B4-BE49-F238E27FC236}">
                 <a16:creationId xmlns:a16="http://schemas.microsoft.com/office/drawing/2014/main" id="{9F616614-2A44-4A02-95CF-CB8BFB70DA7A}"/>
               </a:ext>
             </a:extLst>
@@ -7266,7 +7088,7 @@
 </p:sld>
 </file>
 
-<file path=ppt/slides/slide9.xml><?xml version="1.0" encoding="utf-8"?>
+<file path=ppt/slides/slide8.xml><?xml version="1.0" encoding="utf-8"?>
 <p:sld xmlns:a="http://schemas.openxmlformats.org/drawingml/2006/main" xmlns:r="http://schemas.openxmlformats.org/officeDocument/2006/relationships" xmlns:p="http://schemas.openxmlformats.org/presentationml/2006/main">
   <p:cSld>
     <p:spTree>
@@ -7375,6 +7197,95 @@
     <p:extLst>
       <p:ext uri="{BB962C8B-B14F-4D97-AF65-F5344CB8AC3E}">
         <p14:creationId xmlns:p14="http://schemas.microsoft.com/office/powerpoint/2010/main" val="4045908076"/>
+      </p:ext>
+    </p:extLst>
+  </p:cSld>
+  <p:clrMapOvr>
+    <a:masterClrMapping/>
+  </p:clrMapOvr>
+</p:sld>
+</file>
+
+<file path=ppt/slides/slide9.xml><?xml version="1.0" encoding="utf-8"?>
+<p:sld xmlns:a="http://schemas.openxmlformats.org/drawingml/2006/main" xmlns:r="http://schemas.openxmlformats.org/officeDocument/2006/relationships" xmlns:p="http://schemas.openxmlformats.org/presentationml/2006/main">
+  <p:cSld>
+    <p:spTree>
+      <p:nvGrpSpPr>
+        <p:cNvPr id="1" name=""/>
+        <p:cNvGrpSpPr/>
+        <p:nvPr/>
+      </p:nvGrpSpPr>
+      <p:grpSpPr>
+        <a:xfrm>
+          <a:off x="0" y="0"/>
+          <a:ext cx="0" cy="0"/>
+          <a:chOff x="0" y="0"/>
+          <a:chExt cx="0" cy="0"/>
+        </a:xfrm>
+      </p:grpSpPr>
+      <p:sp>
+        <p:nvSpPr>
+          <p:cNvPr id="2" name="Título 1">
+            <a:extLst>
+              <a:ext uri="{FF2B5EF4-FFF2-40B4-BE49-F238E27FC236}">
+                <a16:creationId xmlns:a16="http://schemas.microsoft.com/office/drawing/2014/main" id="{DA64F439-9073-49C5-9016-ECE0F1D84879}"/>
+              </a:ext>
+            </a:extLst>
+          </p:cNvPr>
+          <p:cNvSpPr>
+            <a:spLocks noGrp="1"/>
+          </p:cNvSpPr>
+          <p:nvPr>
+            <p:ph type="title"/>
+          </p:nvPr>
+        </p:nvSpPr>
+        <p:spPr/>
+        <p:txBody>
+          <a:bodyPr/>
+          <a:lstStyle/>
+          <a:p>
+            <a:r>
+              <a:rPr lang="pt-BR" dirty="0"/>
+              <a:t>Referências</a:t>
+            </a:r>
+          </a:p>
+        </p:txBody>
+      </p:sp>
+      <p:sp>
+        <p:nvSpPr>
+          <p:cNvPr id="3" name="Espaço Reservado para Conteúdo 2">
+            <a:extLst>
+              <a:ext uri="{FF2B5EF4-FFF2-40B4-BE49-F238E27FC236}">
+                <a16:creationId xmlns:a16="http://schemas.microsoft.com/office/drawing/2014/main" id="{FE6037DE-C3DF-4B6C-9FDF-152147EAC7E5}"/>
+              </a:ext>
+            </a:extLst>
+          </p:cNvPr>
+          <p:cNvSpPr>
+            <a:spLocks noGrp="1"/>
+          </p:cNvSpPr>
+          <p:nvPr>
+            <p:ph idx="1"/>
+          </p:nvPr>
+        </p:nvSpPr>
+        <p:spPr/>
+        <p:txBody>
+          <a:bodyPr/>
+          <a:lstStyle/>
+          <a:p>
+            <a:r>
+              <a:rPr lang="pt-BR" dirty="0">
+                <a:hlinkClick r:id="rId2"/>
+              </a:rPr>
+              <a:t>https://www.geeksforgeeks.org/namespace-in-c/</a:t>
+            </a:r>
+            <a:endParaRPr lang="pt-BR" dirty="0"/>
+          </a:p>
+        </p:txBody>
+      </p:sp>
+    </p:spTree>
+    <p:extLst>
+      <p:ext uri="{BB962C8B-B14F-4D97-AF65-F5344CB8AC3E}">
+        <p14:creationId xmlns:p14="http://schemas.microsoft.com/office/powerpoint/2010/main" val="2919723707"/>
       </p:ext>
     </p:extLst>
   </p:cSld>
